--- a/技術分享/AngularJS.pptx
+++ b/技術分享/AngularJS.pptx
@@ -353,6 +353,11 @@
       </a:defRPr>
     </a:lvl9pPr>
   </p:defaultTextStyle>
+  <p:extLst>
+    <p:ext uri="{EFAFB233-063F-42B5-8137-9DF3F51BA10A}">
+      <p15:sldGuideLst xmlns:p15="http://schemas.microsoft.com/office/powerpoint/2012/main"/>
+    </p:ext>
+  </p:extLst>
 </p:presentation>
 </file>
 
@@ -558,7 +563,7 @@
       </p:grpSpPr>
       <p:sp>
         <p:nvSpPr>
-          <p:cNvPr id="124" name="Shape 124"/>
+          <p:cNvPr id="2" name="投影片影像版面配置區 1"/>
           <p:cNvSpPr>
             <a:spLocks noGrp="1" noRot="1" noChangeAspect="1"/>
           </p:cNvSpPr>
@@ -566,85 +571,33 @@
             <p:ph type="sldImg"/>
           </p:nvPr>
         </p:nvSpPr>
-        <p:spPr>
-          <a:prstGeom prst="rect">
-            <a:avLst/>
-          </a:prstGeom>
-        </p:spPr>
+        <p:spPr/>
+      </p:sp>
+      <p:sp>
+        <p:nvSpPr>
+          <p:cNvPr id="3" name="備忘稿版面配置區 2"/>
+          <p:cNvSpPr>
+            <a:spLocks noGrp="1"/>
+          </p:cNvSpPr>
+          <p:nvPr>
+            <p:ph type="body" idx="1"/>
+          </p:nvPr>
+        </p:nvSpPr>
+        <p:spPr/>
         <p:txBody>
           <a:bodyPr/>
           <a:lstStyle/>
           <a:p>
-            <a:endParaRPr/>
-          </a:p>
-        </p:txBody>
-      </p:sp>
-      <p:sp>
-        <p:nvSpPr>
-          <p:cNvPr id="125" name="Shape 125"/>
-          <p:cNvSpPr>
-            <a:spLocks noGrp="1"/>
-          </p:cNvSpPr>
-          <p:nvPr>
-            <p:ph type="body" sz="quarter" idx="1"/>
-          </p:nvPr>
-        </p:nvSpPr>
-        <p:spPr>
-          <a:prstGeom prst="rect">
-            <a:avLst/>
-          </a:prstGeom>
-        </p:spPr>
-        <p:txBody>
-          <a:bodyPr/>
-          <a:lstStyle/>
-          <a:p>
-            <a:pPr marL="272047" indent="-272047">
-              <a:buSzPct val="125000"/>
-              <a:buChar char="•"/>
-            </a:pPr>
-            <a:r>
-              <a:t>2009年，兩位Google工程師Misko Hevery和Adam Abrons撰寫一個名為GetAngular設計開發工具，用於Web設計師和前後端工程師溝通</a:t>
-            </a:r>
-          </a:p>
-          <a:p>
-            <a:pPr marL="272047" indent="-272047">
-              <a:buSzPct val="125000"/>
-              <a:buChar char="•"/>
-            </a:pPr>
-            <a:r>
-              <a:t>Misko Hevery接手Google Feedback專案開發，歷時6個月將近一萬七千多行的程式碼，開發維護舉步維艱。</a:t>
-            </a:r>
-          </a:p>
-          <a:p>
-            <a:pPr marL="272047" indent="-272047">
-              <a:buSzPct val="125000"/>
-              <a:buChar char="•"/>
-            </a:pPr>
-            <a:r>
-              <a:t>Misko跟專案經理Brad Green打賭，用GetAngular只需花兩個禮拜的時間就可以改寫既有的Feedback專案。</a:t>
-            </a:r>
-          </a:p>
-          <a:p>
-            <a:pPr marL="272047" indent="-272047">
-              <a:buSzPct val="125000"/>
-              <a:buChar char="•"/>
-            </a:pPr>
-            <a:r>
-              <a:t>最後Misko雖然賭輸，但也僅僅花了三個禮拜的時間，就成功將原有的一萬七千多行程式碼精簡到一千五百行。</a:t>
-            </a:r>
-          </a:p>
-          <a:p>
-            <a:pPr marL="272047" indent="-272047">
-              <a:buSzPct val="125000"/>
-              <a:buChar char="•"/>
-            </a:pPr>
-            <a:r>
-              <a:t>Brad Green十分驚豔並看好GetAngular的表現，於是將它改名為AngularJS，並在Google內組了團隊專職開發與維護。</a:t>
-            </a:r>
+            <a:endParaRPr kumimoji="1" lang="zh-TW" altLang="en-US" dirty="0"/>
           </a:p>
         </p:txBody>
       </p:sp>
     </p:spTree>
+    <p:extLst>
+      <p:ext uri="{BB962C8B-B14F-4D97-AF65-F5344CB8AC3E}">
+        <p14:creationId xmlns:p14="http://schemas.microsoft.com/office/powerpoint/2010/main" val="1023486249"/>
+      </p:ext>
+    </p:extLst>
   </p:cSld>
   <p:clrMapOvr>
     <a:masterClrMapping/>
@@ -671,7 +624,7 @@
       </p:grpSpPr>
       <p:sp>
         <p:nvSpPr>
-          <p:cNvPr id="189" name="Shape 189"/>
+          <p:cNvPr id="169" name="Shape 169"/>
           <p:cNvSpPr>
             <a:spLocks noGrp="1" noRot="1" noChangeAspect="1"/>
           </p:cNvSpPr>
@@ -694,7 +647,7 @@
       </p:sp>
       <p:sp>
         <p:nvSpPr>
-          <p:cNvPr id="190" name="Shape 190"/>
+          <p:cNvPr id="170" name="Shape 170"/>
           <p:cNvSpPr>
             <a:spLocks noGrp="1"/>
           </p:cNvSpPr>
@@ -711,36 +664,48 @@
           <a:bodyPr/>
           <a:lstStyle/>
           <a:p>
-            <a:r>
-              <a:t>Model 是儲放資料的方式，對應之前 database 的 table 部分並包含存取 datebase 的 method。</a:t>
-            </a:r>
-          </a:p>
-          <a:p>
-            <a:r>
-              <a:t>View 負責資料的呈現，對應之前 GUI 的功能。</a:t>
-            </a:r>
-          </a:p>
-          <a:p>
-            <a:r>
-              <a:t>Control 負責接收 user 的反應，對 Model 的操作，對應之前 server 及不包含GUI部份的 client。</a:t>
-            </a:r>
-          </a:p>
-          <a:p>
-            <a:endParaRPr/>
-          </a:p>
-          <a:p>
-            <a:r>
-              <a:t>Change Notification會透過兩種方式傳遞</a:t>
-            </a:r>
-          </a:p>
-          <a:p>
-            <a:r>
-              <a:t>1.Ajax</a:t>
-            </a:r>
-          </a:p>
-          <a:p>
-            <a:r>
-              <a:t>2.html5的WebSocket</a:t>
+            <a:pPr marL="197852" indent="-197852">
+              <a:buSzPct val="125000"/>
+              <a:buChar char="•"/>
+            </a:pPr>
+            <a:r>
+              <a:t>Module 模組</a:t>
+            </a:r>
+          </a:p>
+          <a:p>
+            <a:pPr marL="197852" indent="-197852">
+              <a:buSzPct val="125000"/>
+              <a:buChar char="•"/>
+            </a:pPr>
+            <a:r>
+              <a:t>Component 類別（即mvc中的controller）</a:t>
+            </a:r>
+          </a:p>
+          <a:p>
+            <a:pPr marL="197852" indent="-197852">
+              <a:buSzPct val="125000"/>
+              <a:buChar char="•"/>
+            </a:pPr>
+            <a:r>
+              <a:t>Templates 樣板html片段（即mvc中的view）</a:t>
+            </a:r>
+          </a:p>
+          <a:p>
+            <a:pPr marL="197852" indent="-197852">
+              <a:buSzPct val="125000"/>
+              <a:buChar char="•"/>
+            </a:pPr>
+            <a:r>
+              <a:t>Metadata</a:t>
+            </a:r>
+          </a:p>
+          <a:p>
+            <a:pPr marL="197852" indent="-197852">
+              <a:buSzPct val="125000"/>
+              <a:buChar char="•"/>
+            </a:pPr>
+            <a:r>
+              <a:t>Service 服務、元件（即mvc中的model）</a:t>
             </a:r>
           </a:p>
         </p:txBody>
@@ -772,7 +737,7 @@
       </p:grpSpPr>
       <p:sp>
         <p:nvSpPr>
-          <p:cNvPr id="199" name="Shape 199"/>
+          <p:cNvPr id="189" name="Shape 189"/>
           <p:cNvSpPr>
             <a:spLocks noGrp="1" noRot="1" noChangeAspect="1"/>
           </p:cNvSpPr>
@@ -795,7 +760,7 @@
       </p:sp>
       <p:sp>
         <p:nvSpPr>
-          <p:cNvPr id="200" name="Shape 200"/>
+          <p:cNvPr id="190" name="Shape 190"/>
           <p:cNvSpPr>
             <a:spLocks noGrp="1"/>
           </p:cNvSpPr>
@@ -813,27 +778,35 @@
           <a:lstStyle/>
           <a:p>
             <a:r>
-              <a:t>1.載入Angular JS框架的JavaScript檔（透過CDN）</a:t>
-            </a:r>
-          </a:p>
-          <a:p>
-            <a:r>
-              <a:t>2.利用ng-app指令定義哪一部分的html屬於AngularJS 可以操作的範圍</a:t>
-            </a:r>
-          </a:p>
-          <a:p>
-            <a:r>
-              <a:t>3.利用ng-model指令定義model變數名稱</a:t>
-            </a:r>
-          </a:p>
-          <a:p>
-            <a:r>
-              <a:t>4.利用ng-bind指令繫結(binding)model變數值</a:t>
-            </a:r>
-          </a:p>
-          <a:p>
-            <a:r>
-              <a:t>也可以用兩個大括號取代ng-bind</a:t>
+              <a:t>Model 是儲放資料的方式，對應之前 database 的 table 部分並包含存取 datebase 的 method。</a:t>
+            </a:r>
+          </a:p>
+          <a:p>
+            <a:r>
+              <a:t>View 負責資料的呈現，對應之前 GUI 的功能。</a:t>
+            </a:r>
+          </a:p>
+          <a:p>
+            <a:r>
+              <a:t>Control 負責接收 user 的反應，對 Model 的操作，對應之前 server 及不包含GUI部份的 client。</a:t>
+            </a:r>
+          </a:p>
+          <a:p>
+            <a:endParaRPr/>
+          </a:p>
+          <a:p>
+            <a:r>
+              <a:t>Change Notification會透過兩種方式傳遞</a:t>
+            </a:r>
+          </a:p>
+          <a:p>
+            <a:r>
+              <a:t>1.Ajax</a:t>
+            </a:r>
+          </a:p>
+          <a:p>
+            <a:r>
+              <a:t>2.html5的WebSocket</a:t>
             </a:r>
           </a:p>
         </p:txBody>
@@ -865,7 +838,7 @@
       </p:grpSpPr>
       <p:sp>
         <p:nvSpPr>
-          <p:cNvPr id="223" name="Shape 223"/>
+          <p:cNvPr id="199" name="Shape 199"/>
           <p:cNvSpPr>
             <a:spLocks noGrp="1" noRot="1" noChangeAspect="1"/>
           </p:cNvSpPr>
@@ -888,7 +861,7 @@
       </p:sp>
       <p:sp>
         <p:nvSpPr>
-          <p:cNvPr id="224" name="Shape 224"/>
+          <p:cNvPr id="200" name="Shape 200"/>
           <p:cNvSpPr>
             <a:spLocks noGrp="1"/>
           </p:cNvSpPr>
@@ -906,22 +879,27 @@
           <a:lstStyle/>
           <a:p>
             <a:r>
-              <a:t>看上面的程式碼ng-app定義名稱，並且使用ng-controller指定給studentController</a:t>
-            </a:r>
-          </a:p>
-          <a:p>
-            <a:r>
-              <a:t>下方的JS則為宣告controller的方式</a:t>
-            </a:r>
-          </a:p>
-          <a:p>
-            <a:r>
-              <a:t>angular.module(‘mainApp’,[]);  &lt;&lt;&lt;矩陣可以放service實現服務依賴注入</a:t>
-            </a:r>
-          </a:p>
-          <a:p>
-            <a:r>
-              <a:t>function傳入$scope做繫結使用，夾帶物件等資料</a:t>
+              <a:t>1.載入Angular JS框架的JavaScript檔（透過CDN）</a:t>
+            </a:r>
+          </a:p>
+          <a:p>
+            <a:r>
+              <a:t>2.利用ng-app指令定義哪一部分的html屬於AngularJS 可以操作的範圍</a:t>
+            </a:r>
+          </a:p>
+          <a:p>
+            <a:r>
+              <a:t>3.利用ng-model指令定義model變數名稱</a:t>
+            </a:r>
+          </a:p>
+          <a:p>
+            <a:r>
+              <a:t>4.利用ng-bind指令繫結(binding)model變數值</a:t>
+            </a:r>
+          </a:p>
+          <a:p>
+            <a:r>
+              <a:t>也可以用兩個大括號取代ng-bind</a:t>
             </a:r>
           </a:p>
         </p:txBody>
@@ -953,7 +931,7 @@
       </p:grpSpPr>
       <p:sp>
         <p:nvSpPr>
-          <p:cNvPr id="228" name="Shape 228"/>
+          <p:cNvPr id="223" name="Shape 223"/>
           <p:cNvSpPr>
             <a:spLocks noGrp="1" noRot="1" noChangeAspect="1"/>
           </p:cNvSpPr>
@@ -976,7 +954,7 @@
       </p:sp>
       <p:sp>
         <p:nvSpPr>
-          <p:cNvPr id="229" name="Shape 229"/>
+          <p:cNvPr id="224" name="Shape 224"/>
           <p:cNvSpPr>
             <a:spLocks noGrp="1"/>
           </p:cNvSpPr>
@@ -993,57 +971,23 @@
           <a:bodyPr/>
           <a:lstStyle/>
           <a:p>
-            <a:pPr marL="197852" indent="-197852">
-              <a:buSzPct val="125000"/>
-              <a:buChar char="•"/>
-            </a:pPr>
-            <a:r>
-              <a:t>Filter可用來將原始資料轉換成另一種形式</a:t>
-            </a:r>
-          </a:p>
-          <a:p>
-            <a:pPr marL="197852" indent="-197852">
-              <a:buSzPct val="125000"/>
-              <a:buChar char="•"/>
-            </a:pPr>
-            <a:r>
-              <a:t>uppercase filter 轉大寫</a:t>
-            </a:r>
-          </a:p>
-          <a:p>
-            <a:pPr marL="197852" indent="-197852">
-              <a:buSzPct val="125000"/>
-              <a:buChar char="•"/>
-            </a:pPr>
-            <a:r>
-              <a:t>lowercase filter 轉小寫</a:t>
-            </a:r>
-          </a:p>
-          <a:p>
-            <a:pPr marL="197852" indent="-197852">
-              <a:buSzPct val="125000"/>
-              <a:buChar char="•"/>
-            </a:pPr>
-            <a:r>
-              <a:t>currency filter 幣別格式</a:t>
-            </a:r>
-          </a:p>
-          <a:p>
-            <a:pPr marL="197852" indent="-197852">
-              <a:buSzPct val="125000"/>
-              <a:buChar char="•"/>
-            </a:pPr>
-            <a:r>
-              <a:t>filter filter 篩選字</a:t>
-            </a:r>
-          </a:p>
-          <a:p>
-            <a:pPr marL="197852" indent="-197852">
-              <a:buSzPct val="125000"/>
-              <a:buChar char="•"/>
-            </a:pPr>
-            <a:r>
-              <a:t>orderby filter 排序</a:t>
+            <a:r>
+              <a:t>看上面的程式碼ng-app定義名稱，並且使用ng-controller指定給studentController</a:t>
+            </a:r>
+          </a:p>
+          <a:p>
+            <a:r>
+              <a:t>下方的JS則為宣告controller的方式</a:t>
+            </a:r>
+          </a:p>
+          <a:p>
+            <a:r>
+              <a:t>angular.module(‘mainApp’,[]);  &lt;&lt;&lt;矩陣可以放service實現服務依賴注入</a:t>
+            </a:r>
+          </a:p>
+          <a:p>
+            <a:r>
+              <a:t>function傳入$scope做繫結使用，夾帶物件等資料</a:t>
             </a:r>
           </a:p>
         </p:txBody>
@@ -1075,7 +1019,7 @@
       </p:grpSpPr>
       <p:sp>
         <p:nvSpPr>
-          <p:cNvPr id="247" name="Shape 247"/>
+          <p:cNvPr id="228" name="Shape 228"/>
           <p:cNvSpPr>
             <a:spLocks noGrp="1" noRot="1" noChangeAspect="1"/>
           </p:cNvSpPr>
@@ -1098,7 +1042,7 @@
       </p:sp>
       <p:sp>
         <p:nvSpPr>
-          <p:cNvPr id="248" name="Shape 248"/>
+          <p:cNvPr id="229" name="Shape 229"/>
           <p:cNvSpPr>
             <a:spLocks noGrp="1"/>
           </p:cNvSpPr>
@@ -1115,66 +1059,57 @@
           <a:bodyPr/>
           <a:lstStyle/>
           <a:p>
-            <a:r>
-              <a:t>ng-click	單擊</a:t>
-            </a:r>
-          </a:p>
-          <a:p>
-            <a:r>
-              <a:t>ng-dblclick	雙擊</a:t>
-            </a:r>
-          </a:p>
-          <a:p>
-            <a:r>
-              <a:t>ng-mousedown	按下按鈕（與click作用不同，click一定要按下放開才有作用，但mousedown不用）</a:t>
-            </a:r>
-          </a:p>
-          <a:p>
-            <a:r>
-              <a:t>ng-mouseup	鬆開滑鼠按鈕</a:t>
-            </a:r>
-          </a:p>
-          <a:p>
-            <a:r>
-              <a:t>ng-mouseenter	滑鼠穿過某個元素、區塊上時觸發</a:t>
-            </a:r>
-          </a:p>
-          <a:p>
-            <a:r>
-              <a:t>ng-mouseleave	滑鼠離開某個元素、區塊時觸發</a:t>
-            </a:r>
-          </a:p>
-          <a:p>
-            <a:endParaRPr/>
-          </a:p>
-          <a:p>
-            <a:r>
-              <a:t>ng-mousemove 	滑鼠在某個元素中的位置</a:t>
-            </a:r>
-          </a:p>
-          <a:p>
-            <a:r>
-              <a:t>ng-mouseover</a:t>
-            </a:r>
-          </a:p>
-          <a:p>
-            <a:r>
-              <a:t>ng-keydown</a:t>
-            </a:r>
-          </a:p>
-          <a:p>
-            <a:r>
-              <a:t>ng-keyup</a:t>
-            </a:r>
-          </a:p>
-          <a:p>
-            <a:r>
-              <a:t>ng-keypress</a:t>
-            </a:r>
-          </a:p>
-          <a:p>
-            <a:r>
-              <a:t>ng-change</a:t>
+            <a:pPr marL="197852" indent="-197852">
+              <a:buSzPct val="125000"/>
+              <a:buChar char="•"/>
+            </a:pPr>
+            <a:r>
+              <a:t>Filter可用來將原始資料轉換成另一種形式</a:t>
+            </a:r>
+          </a:p>
+          <a:p>
+            <a:pPr marL="197852" indent="-197852">
+              <a:buSzPct val="125000"/>
+              <a:buChar char="•"/>
+            </a:pPr>
+            <a:r>
+              <a:t>uppercase filter 轉大寫</a:t>
+            </a:r>
+          </a:p>
+          <a:p>
+            <a:pPr marL="197852" indent="-197852">
+              <a:buSzPct val="125000"/>
+              <a:buChar char="•"/>
+            </a:pPr>
+            <a:r>
+              <a:t>lowercase filter 轉小寫</a:t>
+            </a:r>
+          </a:p>
+          <a:p>
+            <a:pPr marL="197852" indent="-197852">
+              <a:buSzPct val="125000"/>
+              <a:buChar char="•"/>
+            </a:pPr>
+            <a:r>
+              <a:t>currency filter 幣別格式</a:t>
+            </a:r>
+          </a:p>
+          <a:p>
+            <a:pPr marL="197852" indent="-197852">
+              <a:buSzPct val="125000"/>
+              <a:buChar char="•"/>
+            </a:pPr>
+            <a:r>
+              <a:t>filter filter 篩選字</a:t>
+            </a:r>
+          </a:p>
+          <a:p>
+            <a:pPr marL="197852" indent="-197852">
+              <a:buSzPct val="125000"/>
+              <a:buChar char="•"/>
+            </a:pPr>
+            <a:r>
+              <a:t>orderby filter 排序</a:t>
             </a:r>
           </a:p>
         </p:txBody>
@@ -1206,7 +1141,7 @@
       </p:grpSpPr>
       <p:sp>
         <p:nvSpPr>
-          <p:cNvPr id="252" name="Shape 252"/>
+          <p:cNvPr id="247" name="Shape 247"/>
           <p:cNvSpPr>
             <a:spLocks noGrp="1" noRot="1" noChangeAspect="1"/>
           </p:cNvSpPr>
@@ -1229,7 +1164,7 @@
       </p:sp>
       <p:sp>
         <p:nvSpPr>
-          <p:cNvPr id="253" name="Shape 253"/>
+          <p:cNvPr id="248" name="Shape 248"/>
           <p:cNvSpPr>
             <a:spLocks noGrp="1"/>
           </p:cNvSpPr>
@@ -1247,17 +1182,65 @@
           <a:lstStyle/>
           <a:p>
             <a:r>
-              <a:t>$dirty	被異動過，若該欄位之前曾經輸入過值就會返回 true 反之則是 false</a:t>
-            </a:r>
-          </a:p>
-          <a:p>
-            <a:r>
-              <a:t>$invalid	不正確的，若該欄位沒有通過驗證的話就會返回 true 反之 false</a:t>
-            </a:r>
-          </a:p>
-          <a:p>
-            <a:r>
-              <a:t>$error 物件顧名思義就是一個有關錯誤的物件，把抓取到的 $error 物件呈現出來看就會長這樣</a:t>
+              <a:t>ng-click	單擊</a:t>
+            </a:r>
+          </a:p>
+          <a:p>
+            <a:r>
+              <a:t>ng-dblclick	雙擊</a:t>
+            </a:r>
+          </a:p>
+          <a:p>
+            <a:r>
+              <a:t>ng-mousedown	按下按鈕（與click作用不同，click一定要按下放開才有作用，但mousedown不用）</a:t>
+            </a:r>
+          </a:p>
+          <a:p>
+            <a:r>
+              <a:t>ng-mouseup	鬆開滑鼠按鈕</a:t>
+            </a:r>
+          </a:p>
+          <a:p>
+            <a:r>
+              <a:t>ng-mouseenter	滑鼠穿過某個元素、區塊上時觸發</a:t>
+            </a:r>
+          </a:p>
+          <a:p>
+            <a:r>
+              <a:t>ng-mouseleave	滑鼠離開某個元素、區塊時觸發</a:t>
+            </a:r>
+          </a:p>
+          <a:p>
+            <a:endParaRPr/>
+          </a:p>
+          <a:p>
+            <a:r>
+              <a:t>ng-mousemove 	滑鼠在某個元素中的位置</a:t>
+            </a:r>
+          </a:p>
+          <a:p>
+            <a:r>
+              <a:t>ng-mouseover</a:t>
+            </a:r>
+          </a:p>
+          <a:p>
+            <a:r>
+              <a:t>ng-keydown</a:t>
+            </a:r>
+          </a:p>
+          <a:p>
+            <a:r>
+              <a:t>ng-keyup</a:t>
+            </a:r>
+          </a:p>
+          <a:p>
+            <a:r>
+              <a:t>ng-keypress</a:t>
+            </a:r>
+          </a:p>
+          <a:p>
+            <a:r>
+              <a:t>ng-change</a:t>
             </a:r>
           </a:p>
         </p:txBody>
@@ -1289,6 +1272,89 @@
       </p:grpSpPr>
       <p:sp>
         <p:nvSpPr>
+          <p:cNvPr id="252" name="Shape 252"/>
+          <p:cNvSpPr>
+            <a:spLocks noGrp="1" noRot="1" noChangeAspect="1"/>
+          </p:cNvSpPr>
+          <p:nvPr>
+            <p:ph type="sldImg"/>
+          </p:nvPr>
+        </p:nvSpPr>
+        <p:spPr>
+          <a:prstGeom prst="rect">
+            <a:avLst/>
+          </a:prstGeom>
+        </p:spPr>
+        <p:txBody>
+          <a:bodyPr/>
+          <a:lstStyle/>
+          <a:p>
+            <a:endParaRPr/>
+          </a:p>
+        </p:txBody>
+      </p:sp>
+      <p:sp>
+        <p:nvSpPr>
+          <p:cNvPr id="253" name="Shape 253"/>
+          <p:cNvSpPr>
+            <a:spLocks noGrp="1"/>
+          </p:cNvSpPr>
+          <p:nvPr>
+            <p:ph type="body" sz="quarter" idx="1"/>
+          </p:nvPr>
+        </p:nvSpPr>
+        <p:spPr>
+          <a:prstGeom prst="rect">
+            <a:avLst/>
+          </a:prstGeom>
+        </p:spPr>
+        <p:txBody>
+          <a:bodyPr/>
+          <a:lstStyle/>
+          <a:p>
+            <a:r>
+              <a:t>$dirty	被異動過，若該欄位之前曾經輸入過值就會返回 true 反之則是 false</a:t>
+            </a:r>
+          </a:p>
+          <a:p>
+            <a:r>
+              <a:t>$invalid	不正確的，若該欄位沒有通過驗證的話就會返回 true 反之 false</a:t>
+            </a:r>
+          </a:p>
+          <a:p>
+            <a:r>
+              <a:t>$error 物件顧名思義就是一個有關錯誤的物件，把抓取到的 $error 物件呈現出來看就會長這樣</a:t>
+            </a:r>
+          </a:p>
+        </p:txBody>
+      </p:sp>
+    </p:spTree>
+  </p:cSld>
+  <p:clrMapOvr>
+    <a:masterClrMapping/>
+  </p:clrMapOvr>
+</p:notes>
+</file>
+
+<file path=ppt/notesSlides/notesSlide17.xml><?xml version="1.0" encoding="utf-8"?>
+<p:notes xmlns:a="http://schemas.openxmlformats.org/drawingml/2006/main" xmlns:r="http://schemas.openxmlformats.org/officeDocument/2006/relationships" xmlns:p="http://schemas.openxmlformats.org/presentationml/2006/main">
+  <p:cSld>
+    <p:spTree>
+      <p:nvGrpSpPr>
+        <p:cNvPr id="1" name=""/>
+        <p:cNvGrpSpPr/>
+        <p:nvPr/>
+      </p:nvGrpSpPr>
+      <p:grpSpPr>
+        <a:xfrm>
+          <a:off x="0" y="0"/>
+          <a:ext cx="0" cy="0"/>
+          <a:chOff x="0" y="0"/>
+          <a:chExt cx="0" cy="0"/>
+        </a:xfrm>
+      </p:grpSpPr>
+      <p:sp>
+        <p:nvSpPr>
           <p:cNvPr id="275" name="Shape 275"/>
           <p:cNvSpPr>
             <a:spLocks noGrp="1" noRot="1" noChangeAspect="1"/>
@@ -1344,6 +1410,91 @@
         </p:txBody>
       </p:sp>
     </p:spTree>
+  </p:cSld>
+  <p:clrMapOvr>
+    <a:masterClrMapping/>
+  </p:clrMapOvr>
+</p:notes>
+</file>
+
+<file path=ppt/notesSlides/notesSlide18.xml><?xml version="1.0" encoding="utf-8"?>
+<p:notes xmlns:a="http://schemas.openxmlformats.org/drawingml/2006/main" xmlns:r="http://schemas.openxmlformats.org/officeDocument/2006/relationships" xmlns:p="http://schemas.openxmlformats.org/presentationml/2006/main">
+  <p:cSld>
+    <p:spTree>
+      <p:nvGrpSpPr>
+        <p:cNvPr id="1" name=""/>
+        <p:cNvGrpSpPr/>
+        <p:nvPr/>
+      </p:nvGrpSpPr>
+      <p:grpSpPr>
+        <a:xfrm>
+          <a:off x="0" y="0"/>
+          <a:ext cx="0" cy="0"/>
+          <a:chOff x="0" y="0"/>
+          <a:chExt cx="0" cy="0"/>
+        </a:xfrm>
+      </p:grpSpPr>
+      <p:sp>
+        <p:nvSpPr>
+          <p:cNvPr id="2" name="投影片影像版面配置區 1"/>
+          <p:cNvSpPr>
+            <a:spLocks noGrp="1" noRot="1" noChangeAspect="1"/>
+          </p:cNvSpPr>
+          <p:nvPr>
+            <p:ph type="sldImg"/>
+          </p:nvPr>
+        </p:nvSpPr>
+        <p:spPr/>
+      </p:sp>
+      <p:sp>
+        <p:nvSpPr>
+          <p:cNvPr id="3" name="備忘稿版面配置區 2"/>
+          <p:cNvSpPr>
+            <a:spLocks noGrp="1"/>
+          </p:cNvSpPr>
+          <p:nvPr>
+            <p:ph type="body" idx="1"/>
+          </p:nvPr>
+        </p:nvSpPr>
+        <p:spPr/>
+        <p:txBody>
+          <a:bodyPr/>
+          <a:lstStyle/>
+          <a:p>
+            <a:r>
+              <a:rPr kumimoji="1" lang="en-US" altLang="zh-TW" dirty="0"/>
+              <a:t>My </a:t>
+            </a:r>
+            <a:r>
+              <a:rPr kumimoji="1" lang="en-US" altLang="zh-TW" dirty="0" err="1"/>
+              <a:t>github:https</a:t>
+            </a:r>
+            <a:r>
+              <a:rPr kumimoji="1" lang="en-US" altLang="zh-TW" dirty="0"/>
+              <a:t>://</a:t>
+            </a:r>
+            <a:r>
+              <a:rPr kumimoji="1" lang="en-US" altLang="zh-TW" dirty="0" err="1"/>
+              <a:t>github.com</a:t>
+            </a:r>
+            <a:r>
+              <a:rPr kumimoji="1" lang="en-US" altLang="zh-TW" dirty="0"/>
+              <a:t>/c85645/</a:t>
+            </a:r>
+            <a:r>
+              <a:rPr kumimoji="1" lang="en-US" altLang="zh-TW"/>
+              <a:t>AngularLab</a:t>
+            </a:r>
+            <a:endParaRPr kumimoji="1" lang="zh-TW" altLang="en-US" dirty="0"/>
+          </a:p>
+        </p:txBody>
+      </p:sp>
+    </p:spTree>
+    <p:extLst>
+      <p:ext uri="{BB962C8B-B14F-4D97-AF65-F5344CB8AC3E}">
+        <p14:creationId xmlns:p14="http://schemas.microsoft.com/office/powerpoint/2010/main" val="3409692278"/>
+      </p:ext>
+    </p:extLst>
   </p:cSld>
   <p:clrMapOvr>
     <a:masterClrMapping/>
@@ -1370,7 +1521,7 @@
       </p:grpSpPr>
       <p:sp>
         <p:nvSpPr>
-          <p:cNvPr id="129" name="Shape 129"/>
+          <p:cNvPr id="124" name="Shape 124"/>
           <p:cNvSpPr>
             <a:spLocks noGrp="1" noRot="1" noChangeAspect="1"/>
           </p:cNvSpPr>
@@ -1393,7 +1544,7 @@
       </p:sp>
       <p:sp>
         <p:nvSpPr>
-          <p:cNvPr id="130" name="Shape 130"/>
+          <p:cNvPr id="125" name="Shape 125"/>
           <p:cNvSpPr>
             <a:spLocks noGrp="1"/>
           </p:cNvSpPr>
@@ -1415,7 +1566,7 @@
               <a:buChar char="•"/>
             </a:pPr>
             <a:r>
-              <a:t>後來適逢DoubleClick被Google收購，AngularJS被用來改寫其部分的商業邏輯，由於開發效率高到令人稱奇，至此AngularJS在Google公司內部一戰成名</a:t>
+              <a:t>2009年，兩位Google工程師Misko Hevery和Adam Abrons撰寫一個名為GetAngular設計開發工具，用於Web設計師和前後端工程師溝通</a:t>
             </a:r>
           </a:p>
           <a:p>
@@ -1424,7 +1575,7 @@
               <a:buChar char="•"/>
             </a:pPr>
             <a:r>
-              <a:t>2012年6月，在前後經歷12個rc版本後，Google正式對外釋出AngularJS 1.0版本。</a:t>
+              <a:t>Misko Hevery接手Google Feedback專案開發，歷時6個月將近一萬七千多行的程式碼，開發維護舉步維艱。</a:t>
             </a:r>
           </a:p>
           <a:p>
@@ -1433,7 +1584,7 @@
               <a:buChar char="•"/>
             </a:pPr>
             <a:r>
-              <a:t>AngularJS 1.0版本釋出後，AngularJS團隊在接下來的幾個月內採用1.1和1.2並行開發的方式，其中1.1開發新功能特性，並引入不相容的改造，待穩定性與相容性沒問題後才合併到1.2版。</a:t>
+              <a:t>Misko跟專案經理Brad Green打賭，用GetAngular只需花兩個禮拜的時間就可以改寫既有的Feedback專案。</a:t>
             </a:r>
           </a:p>
           <a:p>
@@ -1442,7 +1593,7 @@
               <a:buChar char="•"/>
             </a:pPr>
             <a:r>
-              <a:t>由於微軟停止對WindowsXP的支援，2014年10月發佈的AngularJS 1.3版宣布不再支援IE8。</a:t>
+              <a:t>最後Misko雖然賭輸，但也僅僅花了三個禮拜的時間，就成功將原有的一萬七千多行程式碼精簡到一千五百行。</a:t>
             </a:r>
           </a:p>
           <a:p>
@@ -1451,7 +1602,7 @@
               <a:buChar char="•"/>
             </a:pPr>
             <a:r>
-              <a:t>目前官方的最新版本是AngularJS 1.6.7</a:t>
+              <a:t>Brad Green十分驚豔並看好GetAngular的表現，於是將它改名為AngularJS，並在Google內組了團隊專職開發與維護。</a:t>
             </a:r>
           </a:p>
         </p:txBody>
@@ -1483,7 +1634,7 @@
       </p:grpSpPr>
       <p:sp>
         <p:nvSpPr>
-          <p:cNvPr id="134" name="Shape 134"/>
+          <p:cNvPr id="129" name="Shape 129"/>
           <p:cNvSpPr>
             <a:spLocks noGrp="1" noRot="1" noChangeAspect="1"/>
           </p:cNvSpPr>
@@ -1506,7 +1657,7 @@
       </p:sp>
       <p:sp>
         <p:nvSpPr>
-          <p:cNvPr id="135" name="Shape 135"/>
+          <p:cNvPr id="130" name="Shape 130"/>
           <p:cNvSpPr>
             <a:spLocks noGrp="1"/>
           </p:cNvSpPr>
@@ -1528,7 +1679,7 @@
               <a:buChar char="•"/>
             </a:pPr>
             <a:r>
-              <a:t>2014年3月，官網預告正在打造全新的Angular 2架構。</a:t>
+              <a:t>後來適逢DoubleClick被Google收購，AngularJS被用來改寫其部分的商業邏輯，由於開發效率高到令人稱奇，至此AngularJS在Google公司內部一戰成名</a:t>
             </a:r>
           </a:p>
           <a:p>
@@ -1537,7 +1688,7 @@
               <a:buChar char="•"/>
             </a:pPr>
             <a:r>
-              <a:t>屏棄Angular JS 1.x的歷史包袱，全新的Anguler 2改以元件(Component)/服務(Service)的架構，取代Angular JS 1.x版MVVM(or MVC)的架構，並從框架(Framework)躍升為平台(platform)等級。</a:t>
+              <a:t>2012年6月，在前後經歷12個rc版本後，Google正式對外釋出AngularJS 1.0版本。</a:t>
             </a:r>
           </a:p>
           <a:p>
@@ -1546,7 +1697,7 @@
               <a:buChar char="•"/>
             </a:pPr>
             <a:r>
-              <a:t>2014年9月在ng-Europe大會上，Angular 2首度公開亮相。由於架構跟Angular JS有著天南地北的差異，初期在Angular JS 1.x開發的社群中引起不小的爭議。</a:t>
+              <a:t>AngularJS 1.0版本釋出後，AngularJS團隊在接下來的幾個月內採用1.1和1.2並行開發的方式，其中1.1開發新功能特性，並引入不相容的改造，待穩定性與相容性沒問題後才合併到1.2版。</a:t>
             </a:r>
           </a:p>
           <a:p>
@@ -1555,7 +1706,7 @@
               <a:buChar char="•"/>
             </a:pPr>
             <a:r>
-              <a:t>2016年9月，在Google HQ的見面會上，官方正式發佈了Angular 2版本。</a:t>
+              <a:t>由於微軟停止對WindowsXP的支援，2014年10月發佈的AngularJS 1.3版宣布不再支援IE8。</a:t>
             </a:r>
           </a:p>
           <a:p>
@@ -1564,12 +1715,7 @@
               <a:buChar char="•"/>
             </a:pPr>
             <a:r>
-              <a:t>AtScript原先被Angular團隊評選為Angular2主要的建構語言，AtScript被設計運行在TypeScript之上，同時從Dart引進一些有用的新特性。</a:t>
-            </a:r>
-          </a:p>
-          <a:p>
-            <a:r>
-              <a:t>PS.Dart為Google的自創語言</a:t>
+              <a:t>目前官方的最新版本是AngularJS 1.6.7</a:t>
             </a:r>
           </a:p>
         </p:txBody>
@@ -1601,7 +1747,7 @@
       </p:grpSpPr>
       <p:sp>
         <p:nvSpPr>
-          <p:cNvPr id="139" name="Shape 139"/>
+          <p:cNvPr id="134" name="Shape 134"/>
           <p:cNvSpPr>
             <a:spLocks noGrp="1" noRot="1" noChangeAspect="1"/>
           </p:cNvSpPr>
@@ -1624,7 +1770,7 @@
       </p:sp>
       <p:sp>
         <p:nvSpPr>
-          <p:cNvPr id="140" name="Shape 140"/>
+          <p:cNvPr id="135" name="Shape 135"/>
           <p:cNvSpPr>
             <a:spLocks noGrp="1"/>
           </p:cNvSpPr>
@@ -1646,7 +1792,7 @@
               <a:buChar char="•"/>
             </a:pPr>
             <a:r>
-              <a:t>2015年3月在鹽埕湖會議上，微軟的TypeScript和Google的Angular開發團隊共同宣布會把AtScript中不少新的功能特性加入TypeScript 1.5版中，同時Angular將放棄AtScript改使用TypeScript作為首選的開發語言。</a:t>
+              <a:t>2014年3月，官網預告正在打造全新的Angular 2架構。</a:t>
             </a:r>
           </a:p>
           <a:p>
@@ -1655,7 +1801,7 @@
               <a:buChar char="•"/>
             </a:pPr>
             <a:r>
-              <a:t>2016年12月，為了避免套件版本衝突的問題，Anguler 2跳過Angular 3直接升級到Angular 4。</a:t>
+              <a:t>屏棄Angular JS 1.x的歷史包袱，全新的Anguler 2改以元件(Component)/服務(Service)的架構，取代Angular JS 1.x版MVVM(or MVC)的架構，並從框架(Framework)躍升為平台(platform)等級。</a:t>
             </a:r>
           </a:p>
           <a:p>
@@ -1664,7 +1810,7 @@
               <a:buChar char="•"/>
             </a:pPr>
             <a:r>
-              <a:t>Angular 4版本在2017年3月正式推出，並且向下相容Angular 2。</a:t>
+              <a:t>2014年9月在ng-Europe大會上，Angular 2首度公開亮相。由於架構跟Angular JS有著天南地北的差異，初期在Angular JS 1.x開發的社群中引起不小的爭議。</a:t>
             </a:r>
           </a:p>
           <a:p>
@@ -1673,7 +1819,21 @@
               <a:buChar char="•"/>
             </a:pPr>
             <a:r>
-              <a:t>2017年11月正式釋出Angular 5，未來預計2018年4月釋出Angular 6，2018年10月釋出Angular 7，Google承諾每年會有兩個版本的升級計畫。</a:t>
+              <a:t>2016年9月，在Google HQ的見面會上，官方正式發佈了Angular 2版本。</a:t>
+            </a:r>
+          </a:p>
+          <a:p>
+            <a:pPr marL="272047" indent="-272047">
+              <a:buSzPct val="125000"/>
+              <a:buChar char="•"/>
+            </a:pPr>
+            <a:r>
+              <a:t>AtScript原先被Angular團隊評選為Angular2主要的建構語言，AtScript被設計運行在TypeScript之上，同時從Dart引進一些有用的新特性。</a:t>
+            </a:r>
+          </a:p>
+          <a:p>
+            <a:r>
+              <a:t>PS.Dart為Google的自創語言</a:t>
             </a:r>
           </a:p>
         </p:txBody>
@@ -1705,7 +1865,7 @@
       </p:grpSpPr>
       <p:sp>
         <p:nvSpPr>
-          <p:cNvPr id="146" name="Shape 146"/>
+          <p:cNvPr id="139" name="Shape 139"/>
           <p:cNvSpPr>
             <a:spLocks noGrp="1" noRot="1" noChangeAspect="1"/>
           </p:cNvSpPr>
@@ -1728,7 +1888,7 @@
       </p:sp>
       <p:sp>
         <p:nvSpPr>
-          <p:cNvPr id="147" name="Shape 147"/>
+          <p:cNvPr id="140" name="Shape 140"/>
           <p:cNvSpPr>
             <a:spLocks noGrp="1"/>
           </p:cNvSpPr>
@@ -1745,8 +1905,39 @@
           <a:bodyPr/>
           <a:lstStyle/>
           <a:p>
-            <a:r>
-              <a:t>$scope &gt; 資料交換的管道，Angular JS 1.x版都是使用這個變數，但在Angular 2之後就不會使用該變數。</a:t>
+            <a:pPr marL="272047" indent="-272047">
+              <a:buSzPct val="125000"/>
+              <a:buChar char="•"/>
+            </a:pPr>
+            <a:r>
+              <a:t>2015年3月在鹽埕湖會議上，微軟的TypeScript和Google的Angular開發團隊共同宣布會把AtScript中不少新的功能特性加入TypeScript 1.5版中，同時Angular將放棄AtScript改使用TypeScript作為首選的開發語言。</a:t>
+            </a:r>
+          </a:p>
+          <a:p>
+            <a:pPr marL="272047" indent="-272047">
+              <a:buSzPct val="125000"/>
+              <a:buChar char="•"/>
+            </a:pPr>
+            <a:r>
+              <a:t>2016年12月，為了避免套件版本衝突的問題，Anguler 2跳過Angular 3直接升級到Angular 4。</a:t>
+            </a:r>
+          </a:p>
+          <a:p>
+            <a:pPr marL="272047" indent="-272047">
+              <a:buSzPct val="125000"/>
+              <a:buChar char="•"/>
+            </a:pPr>
+            <a:r>
+              <a:t>Angular 4版本在2017年3月正式推出，並且向下相容Angular 2。</a:t>
+            </a:r>
+          </a:p>
+          <a:p>
+            <a:pPr marL="272047" indent="-272047">
+              <a:buSzPct val="125000"/>
+              <a:buChar char="•"/>
+            </a:pPr>
+            <a:r>
+              <a:t>2017年11月正式釋出Angular 5，未來預計2018年4月釋出Angular 6，2018年10月釋出Angular 7，Google承諾每年會有兩個版本的升級計畫。</a:t>
             </a:r>
           </a:p>
         </p:txBody>
@@ -1778,7 +1969,7 @@
       </p:grpSpPr>
       <p:sp>
         <p:nvSpPr>
-          <p:cNvPr id="151" name="Shape 151"/>
+          <p:cNvPr id="146" name="Shape 146"/>
           <p:cNvSpPr>
             <a:spLocks noGrp="1" noRot="1" noChangeAspect="1"/>
           </p:cNvSpPr>
@@ -1801,7 +1992,7 @@
       </p:sp>
       <p:sp>
         <p:nvSpPr>
-          <p:cNvPr id="152" name="Shape 152"/>
+          <p:cNvPr id="147" name="Shape 147"/>
           <p:cNvSpPr>
             <a:spLocks noGrp="1"/>
           </p:cNvSpPr>
@@ -1818,48 +2009,8 @@
           <a:bodyPr/>
           <a:lstStyle/>
           <a:p>
-            <a:pPr marL="197852" indent="-197852">
-              <a:buSzPct val="125000"/>
-              <a:buChar char="•"/>
-            </a:pPr>
-            <a:r>
-              <a:t>功能強大的JavaScript MVC框架</a:t>
-            </a:r>
-          </a:p>
-          <a:p>
-            <a:pPr marL="197852" indent="-197852">
-              <a:buSzPct val="125000"/>
-              <a:buChar char="•"/>
-            </a:pPr>
-            <a:r>
-              <a:t>適合用來開發Single Page Application(SPA)</a:t>
-            </a:r>
-          </a:p>
-          <a:p>
-            <a:pPr marL="197852" indent="-197852">
-              <a:buSzPct val="125000"/>
-              <a:buChar char="•"/>
-            </a:pPr>
-            <a:r>
-              <a:t>藉由屬性(Attribute)來擴充HTML既有的功能</a:t>
-            </a:r>
-          </a:p>
-          <a:p>
-            <a:pPr marL="197852" indent="-197852">
-              <a:buSzPct val="125000"/>
-              <a:buChar char="•"/>
-            </a:pPr>
-            <a:r>
-              <a:t>跨瀏覽器</a:t>
-            </a:r>
-          </a:p>
-          <a:p>
-            <a:pPr marL="197852" indent="-197852">
-              <a:buSzPct val="125000"/>
-              <a:buChar char="•"/>
-            </a:pPr>
-            <a:r>
-              <a:t>Open Source(Apache license version 2.0)</a:t>
+            <a:r>
+              <a:t>$scope &gt; 資料交換的管道，Angular JS 1.x版都是使用這個變數，但在Angular 2之後就不會使用該變數。</a:t>
             </a:r>
           </a:p>
         </p:txBody>
@@ -1891,7 +2042,7 @@
       </p:grpSpPr>
       <p:sp>
         <p:nvSpPr>
-          <p:cNvPr id="156" name="Shape 156"/>
+          <p:cNvPr id="151" name="Shape 151"/>
           <p:cNvSpPr>
             <a:spLocks noGrp="1" noRot="1" noChangeAspect="1"/>
           </p:cNvSpPr>
@@ -1914,7 +2065,7 @@
       </p:sp>
       <p:sp>
         <p:nvSpPr>
-          <p:cNvPr id="157" name="Shape 157"/>
+          <p:cNvPr id="152" name="Shape 152"/>
           <p:cNvSpPr>
             <a:spLocks noGrp="1"/>
           </p:cNvSpPr>
@@ -1936,7 +2087,7 @@
               <a:buChar char="•"/>
             </a:pPr>
             <a:r>
-              <a:t>Data Binding 資料繫結</a:t>
+              <a:t>功能強大的JavaScript MVC框架</a:t>
             </a:r>
           </a:p>
           <a:p>
@@ -1945,7 +2096,7 @@
               <a:buChar char="•"/>
             </a:pPr>
             <a:r>
-              <a:t>Scope</a:t>
+              <a:t>適合用來開發Single Page Application(SPA)</a:t>
             </a:r>
           </a:p>
           <a:p>
@@ -1954,7 +2105,7 @@
               <a:buChar char="•"/>
             </a:pPr>
             <a:r>
-              <a:t>Controller</a:t>
+              <a:t>藉由屬性(Attribute)來擴充HTML既有的功能</a:t>
             </a:r>
           </a:p>
           <a:p>
@@ -1963,7 +2114,7 @@
               <a:buChar char="•"/>
             </a:pPr>
             <a:r>
-              <a:t>Services</a:t>
+              <a:t>跨瀏覽器</a:t>
             </a:r>
           </a:p>
           <a:p>
@@ -1972,43 +2123,7 @@
               <a:buChar char="•"/>
             </a:pPr>
             <a:r>
-              <a:t>Filters</a:t>
-            </a:r>
-          </a:p>
-          <a:p>
-            <a:pPr marL="197852" indent="-197852">
-              <a:buSzPct val="125000"/>
-              <a:buChar char="•"/>
-            </a:pPr>
-            <a:r>
-              <a:t>Directives 指令</a:t>
-            </a:r>
-          </a:p>
-          <a:p>
-            <a:pPr marL="197852" indent="-197852">
-              <a:buSzPct val="125000"/>
-              <a:buChar char="•"/>
-            </a:pPr>
-            <a:r>
-              <a:t>Templates 樣板</a:t>
-            </a:r>
-          </a:p>
-          <a:p>
-            <a:pPr marL="197852" indent="-197852">
-              <a:buSzPct val="125000"/>
-              <a:buChar char="•"/>
-            </a:pPr>
-            <a:r>
-              <a:t>Model View Whatever 任何的model view都可以（玩笑話）</a:t>
-            </a:r>
-          </a:p>
-          <a:p>
-            <a:pPr marL="197852" indent="-197852">
-              <a:buSzPct val="125000"/>
-              <a:buChar char="•"/>
-            </a:pPr>
-            <a:r>
-              <a:t>Dependency Injection 依賴注入</a:t>
+              <a:t>Open Source(Apache license version 2.0)</a:t>
             </a:r>
           </a:p>
         </p:txBody>
@@ -2040,7 +2155,7 @@
       </p:grpSpPr>
       <p:sp>
         <p:nvSpPr>
-          <p:cNvPr id="164" name="Shape 164"/>
+          <p:cNvPr id="156" name="Shape 156"/>
           <p:cNvSpPr>
             <a:spLocks noGrp="1" noRot="1" noChangeAspect="1"/>
           </p:cNvSpPr>
@@ -2063,7 +2178,7 @@
       </p:sp>
       <p:sp>
         <p:nvSpPr>
-          <p:cNvPr id="165" name="Shape 165"/>
+          <p:cNvPr id="157" name="Shape 157"/>
           <p:cNvSpPr>
             <a:spLocks noGrp="1"/>
           </p:cNvSpPr>
@@ -2085,7 +2200,7 @@
               <a:buChar char="•"/>
             </a:pPr>
             <a:r>
-              <a:t>功能強大的JavaScript開發平台(有點類似Java EE, .NET平台)</a:t>
+              <a:t>Data Binding 資料繫結</a:t>
             </a:r>
           </a:p>
           <a:p>
@@ -2094,7 +2209,7 @@
               <a:buChar char="•"/>
             </a:pPr>
             <a:r>
-              <a:t>適合用來開發Single Page Application(SPA)</a:t>
+              <a:t>Scope</a:t>
             </a:r>
           </a:p>
           <a:p>
@@ -2103,7 +2218,7 @@
               <a:buChar char="•"/>
             </a:pPr>
             <a:r>
-              <a:t>採用Component/Service架構</a:t>
+              <a:t>Controller</a:t>
             </a:r>
           </a:p>
           <a:p>
@@ -2112,7 +2227,7 @@
               <a:buChar char="•"/>
             </a:pPr>
             <a:r>
-              <a:t>採用TypeScript為主要建構語言，TypeScript 為JavaScript的超集合(superset)</a:t>
+              <a:t>Services</a:t>
             </a:r>
           </a:p>
           <a:p>
@@ -2121,7 +2236,43 @@
               <a:buChar char="•"/>
             </a:pPr>
             <a:r>
-              <a:t>Open Source</a:t>
+              <a:t>Filters</a:t>
+            </a:r>
+          </a:p>
+          <a:p>
+            <a:pPr marL="197852" indent="-197852">
+              <a:buSzPct val="125000"/>
+              <a:buChar char="•"/>
+            </a:pPr>
+            <a:r>
+              <a:t>Directives 指令</a:t>
+            </a:r>
+          </a:p>
+          <a:p>
+            <a:pPr marL="197852" indent="-197852">
+              <a:buSzPct val="125000"/>
+              <a:buChar char="•"/>
+            </a:pPr>
+            <a:r>
+              <a:t>Templates 樣板</a:t>
+            </a:r>
+          </a:p>
+          <a:p>
+            <a:pPr marL="197852" indent="-197852">
+              <a:buSzPct val="125000"/>
+              <a:buChar char="•"/>
+            </a:pPr>
+            <a:r>
+              <a:t>Model View Whatever 任何的model view都可以（玩笑話）</a:t>
+            </a:r>
+          </a:p>
+          <a:p>
+            <a:pPr marL="197852" indent="-197852">
+              <a:buSzPct val="125000"/>
+              <a:buChar char="•"/>
+            </a:pPr>
+            <a:r>
+              <a:t>Dependency Injection 依賴注入</a:t>
             </a:r>
           </a:p>
         </p:txBody>
@@ -2153,7 +2304,7 @@
       </p:grpSpPr>
       <p:sp>
         <p:nvSpPr>
-          <p:cNvPr id="169" name="Shape 169"/>
+          <p:cNvPr id="164" name="Shape 164"/>
           <p:cNvSpPr>
             <a:spLocks noGrp="1" noRot="1" noChangeAspect="1"/>
           </p:cNvSpPr>
@@ -2176,7 +2327,7 @@
       </p:sp>
       <p:sp>
         <p:nvSpPr>
-          <p:cNvPr id="170" name="Shape 170"/>
+          <p:cNvPr id="165" name="Shape 165"/>
           <p:cNvSpPr>
             <a:spLocks noGrp="1"/>
           </p:cNvSpPr>
@@ -2198,7 +2349,7 @@
               <a:buChar char="•"/>
             </a:pPr>
             <a:r>
-              <a:t>Module 模組</a:t>
+              <a:t>功能強大的JavaScript開發平台(有點類似Java EE, .NET平台)</a:t>
             </a:r>
           </a:p>
           <a:p>
@@ -2207,7 +2358,7 @@
               <a:buChar char="•"/>
             </a:pPr>
             <a:r>
-              <a:t>Component 類別（即mvc中的controller）</a:t>
+              <a:t>適合用來開發Single Page Application(SPA)</a:t>
             </a:r>
           </a:p>
           <a:p>
@@ -2216,7 +2367,7 @@
               <a:buChar char="•"/>
             </a:pPr>
             <a:r>
-              <a:t>Templates 樣板html片段（即mvc中的view）</a:t>
+              <a:t>採用Component/Service架構</a:t>
             </a:r>
           </a:p>
           <a:p>
@@ -2225,7 +2376,7 @@
               <a:buChar char="•"/>
             </a:pPr>
             <a:r>
-              <a:t>Metadata</a:t>
+              <a:t>採用TypeScript為主要建構語言，TypeScript 為JavaScript的超集合(superset)</a:t>
             </a:r>
           </a:p>
           <a:p>
@@ -2234,7 +2385,7 @@
               <a:buChar char="•"/>
             </a:pPr>
             <a:r>
-              <a:t>Service 服務、元件（即mvc中的model）</a:t>
+              <a:t>Open Source</a:t>
             </a:r>
           </a:p>
         </p:txBody>
